--- a/description(Презентация + Пояснительная записка)/Волчья библиотека.pptx
+++ b/description(Презентация + Пояснительная записка)/Волчья библиотека.pptx
@@ -16,8 +16,14 @@
     <p:sldId id="276" r:id="rId10"/>
     <p:sldId id="277" r:id="rId11"/>
     <p:sldId id="264" r:id="rId12"/>
-    <p:sldId id="272" r:id="rId13"/>
-    <p:sldId id="274" r:id="rId14"/>
+    <p:sldId id="278" r:id="rId13"/>
+    <p:sldId id="279" r:id="rId14"/>
+    <p:sldId id="280" r:id="rId15"/>
+    <p:sldId id="281" r:id="rId16"/>
+    <p:sldId id="282" r:id="rId17"/>
+    <p:sldId id="283" r:id="rId18"/>
+    <p:sldId id="272" r:id="rId19"/>
+    <p:sldId id="274" r:id="rId20"/>
   </p:sldIdLst>
   <p:sldSz cx="12192000" cy="6858000"/>
   <p:notesSz cx="6858000" cy="9144000"/>
@@ -116,6 +122,22 @@
       </a:defRPr>
     </a:lvl9pPr>
   </p:defaultTextStyle>
+  <p:extLst>
+    <p:ext uri="{EFAFB233-063F-42B5-8137-9DF3F51BA10A}">
+      <p15:sldGuideLst xmlns:p15="http://schemas.microsoft.com/office/powerpoint/2012/main">
+        <p15:guide id="1" orient="horz" pos="2160">
+          <p15:clr>
+            <a:srgbClr val="A4A3A4"/>
+          </p15:clr>
+        </p15:guide>
+        <p15:guide id="2" pos="3840">
+          <p15:clr>
+            <a:srgbClr val="A4A3A4"/>
+          </p15:clr>
+        </p15:guide>
+      </p15:sldGuideLst>
+    </p:ext>
+  </p:extLst>
 </p:presentation>
 </file>
 
@@ -398,7 +420,7 @@
     </p:spTree>
     <p:extLst>
       <p:ext uri="{BB962C8B-B14F-4D97-AF65-F5344CB8AC3E}">
-        <p14:creationId xmlns:p14="http://schemas.microsoft.com/office/powerpoint/2010/main" xmlns="" val="1499588418"/>
+        <p14:creationId xmlns:p14="http://schemas.microsoft.com/office/powerpoint/2010/main" val="1499588418"/>
       </p:ext>
     </p:extLst>
   </p:cSld>
@@ -570,7 +592,7 @@
     </p:spTree>
     <p:extLst>
       <p:ext uri="{BB962C8B-B14F-4D97-AF65-F5344CB8AC3E}">
-        <p14:creationId xmlns:p14="http://schemas.microsoft.com/office/powerpoint/2010/main" xmlns="" val="2510190840"/>
+        <p14:creationId xmlns:p14="http://schemas.microsoft.com/office/powerpoint/2010/main" val="2510190840"/>
       </p:ext>
     </p:extLst>
   </p:cSld>
@@ -752,7 +774,7 @@
     </p:spTree>
     <p:extLst>
       <p:ext uri="{BB962C8B-B14F-4D97-AF65-F5344CB8AC3E}">
-        <p14:creationId xmlns:p14="http://schemas.microsoft.com/office/powerpoint/2010/main" xmlns="" val="3558994519"/>
+        <p14:creationId xmlns:p14="http://schemas.microsoft.com/office/powerpoint/2010/main" val="3558994519"/>
       </p:ext>
     </p:extLst>
   </p:cSld>
@@ -924,7 +946,7 @@
     </p:spTree>
     <p:extLst>
       <p:ext uri="{BB962C8B-B14F-4D97-AF65-F5344CB8AC3E}">
-        <p14:creationId xmlns:p14="http://schemas.microsoft.com/office/powerpoint/2010/main" xmlns="" val="2614340885"/>
+        <p14:creationId xmlns:p14="http://schemas.microsoft.com/office/powerpoint/2010/main" val="2614340885"/>
       </p:ext>
     </p:extLst>
   </p:cSld>
@@ -1218,7 +1240,7 @@
     </p:spTree>
     <p:extLst>
       <p:ext uri="{BB962C8B-B14F-4D97-AF65-F5344CB8AC3E}">
-        <p14:creationId xmlns:p14="http://schemas.microsoft.com/office/powerpoint/2010/main" xmlns="" val="272263389"/>
+        <p14:creationId xmlns:p14="http://schemas.microsoft.com/office/powerpoint/2010/main" val="272263389"/>
       </p:ext>
     </p:extLst>
   </p:cSld>
@@ -1508,7 +1530,7 @@
     </p:spTree>
     <p:extLst>
       <p:ext uri="{BB962C8B-B14F-4D97-AF65-F5344CB8AC3E}">
-        <p14:creationId xmlns:p14="http://schemas.microsoft.com/office/powerpoint/2010/main" xmlns="" val="3410695956"/>
+        <p14:creationId xmlns:p14="http://schemas.microsoft.com/office/powerpoint/2010/main" val="3410695956"/>
       </p:ext>
     </p:extLst>
   </p:cSld>
@@ -1961,7 +1983,7 @@
     </p:spTree>
     <p:extLst>
       <p:ext uri="{BB962C8B-B14F-4D97-AF65-F5344CB8AC3E}">
-        <p14:creationId xmlns:p14="http://schemas.microsoft.com/office/powerpoint/2010/main" xmlns="" val="379546841"/>
+        <p14:creationId xmlns:p14="http://schemas.microsoft.com/office/powerpoint/2010/main" val="379546841"/>
       </p:ext>
     </p:extLst>
   </p:cSld>
@@ -2081,7 +2103,7 @@
     </p:spTree>
     <p:extLst>
       <p:ext uri="{BB962C8B-B14F-4D97-AF65-F5344CB8AC3E}">
-        <p14:creationId xmlns:p14="http://schemas.microsoft.com/office/powerpoint/2010/main" xmlns="" val="2012587305"/>
+        <p14:creationId xmlns:p14="http://schemas.microsoft.com/office/powerpoint/2010/main" val="2012587305"/>
       </p:ext>
     </p:extLst>
   </p:cSld>
@@ -2178,7 +2200,7 @@
     </p:spTree>
     <p:extLst>
       <p:ext uri="{BB962C8B-B14F-4D97-AF65-F5344CB8AC3E}">
-        <p14:creationId xmlns:p14="http://schemas.microsoft.com/office/powerpoint/2010/main" xmlns="" val="1447968598"/>
+        <p14:creationId xmlns:p14="http://schemas.microsoft.com/office/powerpoint/2010/main" val="1447968598"/>
       </p:ext>
     </p:extLst>
   </p:cSld>
@@ -2467,7 +2489,7 @@
     </p:spTree>
     <p:extLst>
       <p:ext uri="{BB962C8B-B14F-4D97-AF65-F5344CB8AC3E}">
-        <p14:creationId xmlns:p14="http://schemas.microsoft.com/office/powerpoint/2010/main" xmlns="" val="4289616830"/>
+        <p14:creationId xmlns:p14="http://schemas.microsoft.com/office/powerpoint/2010/main" val="4289616830"/>
       </p:ext>
     </p:extLst>
   </p:cSld>
@@ -2791,7 +2813,7 @@
     </p:spTree>
     <p:extLst>
       <p:ext uri="{BB962C8B-B14F-4D97-AF65-F5344CB8AC3E}">
-        <p14:creationId xmlns:p14="http://schemas.microsoft.com/office/powerpoint/2010/main" xmlns="" val="195292824"/>
+        <p14:creationId xmlns:p14="http://schemas.microsoft.com/office/powerpoint/2010/main" val="195292824"/>
       </p:ext>
     </p:extLst>
   </p:cSld>
@@ -3087,7 +3109,7 @@
     </p:spTree>
     <p:extLst>
       <p:ext uri="{BB962C8B-B14F-4D97-AF65-F5344CB8AC3E}">
-        <p14:creationId xmlns:p14="http://schemas.microsoft.com/office/powerpoint/2010/main" xmlns="" val="2167727972"/>
+        <p14:creationId xmlns:p14="http://schemas.microsoft.com/office/powerpoint/2010/main" val="2167727972"/>
       </p:ext>
     </p:extLst>
   </p:cSld>
@@ -3489,7 +3511,7 @@
           <p:cNvPr id="2" name="Заголовок 1">
             <a:extLst>
               <a:ext uri="{FF2B5EF4-FFF2-40B4-BE49-F238E27FC236}">
-                <a16:creationId xmlns:a16="http://schemas.microsoft.com/office/drawing/2014/main" xmlns="" id="{A1910821-8224-47DB-A1A2-B943524BEA41}"/>
+                <a16:creationId xmlns:a16="http://schemas.microsoft.com/office/drawing/2014/main" id="{A1910821-8224-47DB-A1A2-B943524BEA41}"/>
               </a:ext>
             </a:extLst>
           </p:cNvPr>
@@ -3517,7 +3539,7 @@
           <p:cNvPr id="3" name="Подзаголовок 2">
             <a:extLst>
               <a:ext uri="{FF2B5EF4-FFF2-40B4-BE49-F238E27FC236}">
-                <a16:creationId xmlns:a16="http://schemas.microsoft.com/office/drawing/2014/main" xmlns="" id="{A02E8063-CECB-4F40-8553-14881ADFD5CB}"/>
+                <a16:creationId xmlns:a16="http://schemas.microsoft.com/office/drawing/2014/main" id="{A02E8063-CECB-4F40-8553-14881ADFD5CB}"/>
               </a:ext>
             </a:extLst>
           </p:cNvPr>
@@ -3545,7 +3567,7 @@
           <p:cNvPr id="6" name="Рисунок 5">
             <a:extLst>
               <a:ext uri="{FF2B5EF4-FFF2-40B4-BE49-F238E27FC236}">
-                <a16:creationId xmlns:a16="http://schemas.microsoft.com/office/drawing/2014/main" xmlns="" id="{515A5E3F-AE8B-499A-A83C-E584A4701AFF}"/>
+                <a16:creationId xmlns:a16="http://schemas.microsoft.com/office/drawing/2014/main" id="{515A5E3F-AE8B-499A-A83C-E584A4701AFF}"/>
               </a:ext>
             </a:extLst>
           </p:cNvPr>
@@ -3558,7 +3580,7 @@
           <a:blip r:embed="rId2" cstate="print">
             <a:extLst>
               <a:ext uri="{28A0092B-C50C-407E-A947-70E740481C1C}">
-                <a14:useLocalDpi xmlns:a14="http://schemas.microsoft.com/office/drawing/2010/main" xmlns="" val="0"/>
+                <a14:useLocalDpi xmlns:a14="http://schemas.microsoft.com/office/drawing/2010/main" val="0"/>
               </a:ext>
             </a:extLst>
           </a:blip>
@@ -3579,7 +3601,7 @@
     </p:spTree>
     <p:extLst>
       <p:ext uri="{BB962C8B-B14F-4D97-AF65-F5344CB8AC3E}">
-        <p14:creationId xmlns:p14="http://schemas.microsoft.com/office/powerpoint/2010/main" xmlns="" val="3449971361"/>
+        <p14:creationId xmlns:p14="http://schemas.microsoft.com/office/powerpoint/2010/main" val="3449971361"/>
       </p:ext>
     </p:extLst>
   </p:cSld>
@@ -3611,7 +3633,7 @@
           <p:cNvPr id="2" name="Заголовок 1">
             <a:extLst>
               <a:ext uri="{FF2B5EF4-FFF2-40B4-BE49-F238E27FC236}">
-                <a16:creationId xmlns:a16="http://schemas.microsoft.com/office/drawing/2014/main" xmlns="" id="{ABF3BDE5-A49E-4235-ABB6-8DE6322556F1}"/>
+                <a16:creationId xmlns:a16="http://schemas.microsoft.com/office/drawing/2014/main" id="{ABF3BDE5-A49E-4235-ABB6-8DE6322556F1}"/>
               </a:ext>
             </a:extLst>
           </p:cNvPr>
@@ -3628,10 +3650,9 @@
           <a:lstStyle/>
           <a:p>
             <a:r>
-              <a:rPr lang="ru-RU" dirty="0" smtClean="0"/>
+              <a:rPr lang="ru-RU" dirty="0"/>
               <a:t>Функции</a:t>
             </a:r>
-            <a:endParaRPr lang="ru-RU" dirty="0"/>
           </a:p>
         </p:txBody>
       </p:sp>
@@ -3640,7 +3661,7 @@
           <p:cNvPr id="3" name="Объект 2">
             <a:extLst>
               <a:ext uri="{FF2B5EF4-FFF2-40B4-BE49-F238E27FC236}">
-                <a16:creationId xmlns:a16="http://schemas.microsoft.com/office/drawing/2014/main" xmlns="" id="{F37554EB-CECB-46DA-AA63-49E5124FBFFE}"/>
+                <a16:creationId xmlns:a16="http://schemas.microsoft.com/office/drawing/2014/main" id="{F37554EB-CECB-46DA-AA63-49E5124FBFFE}"/>
               </a:ext>
             </a:extLst>
           </p:cNvPr>
@@ -3657,10 +3678,9 @@
           <a:lstStyle/>
           <a:p>
             <a:r>
-              <a:rPr lang="ru-RU" dirty="0" smtClean="0"/>
+              <a:rPr lang="ru-RU" dirty="0"/>
               <a:t>Удаление книги</a:t>
             </a:r>
-            <a:endParaRPr lang="ru-RU" dirty="0"/>
           </a:p>
         </p:txBody>
       </p:sp>
@@ -3700,7 +3720,7 @@
     </p:spTree>
     <p:extLst>
       <p:ext uri="{BB962C8B-B14F-4D97-AF65-F5344CB8AC3E}">
-        <p14:creationId xmlns:p14="http://schemas.microsoft.com/office/powerpoint/2010/main" xmlns="" val="1982399702"/>
+        <p14:creationId xmlns:p14="http://schemas.microsoft.com/office/powerpoint/2010/main" val="1982399702"/>
       </p:ext>
     </p:extLst>
   </p:cSld>
@@ -3732,7 +3752,7 @@
           <p:cNvPr id="2" name="Заголовок 1">
             <a:extLst>
               <a:ext uri="{FF2B5EF4-FFF2-40B4-BE49-F238E27FC236}">
-                <a16:creationId xmlns:a16="http://schemas.microsoft.com/office/drawing/2014/main" xmlns="" id="{F4276FBF-487E-4712-B2E1-5570EBCE849F}"/>
+                <a16:creationId xmlns:a16="http://schemas.microsoft.com/office/drawing/2014/main" id="{F4276FBF-487E-4712-B2E1-5570EBCE849F}"/>
               </a:ext>
             </a:extLst>
           </p:cNvPr>
@@ -3749,10 +3769,9 @@
           <a:lstStyle/>
           <a:p>
             <a:r>
-              <a:rPr lang="ru-RU" dirty="0" smtClean="0"/>
+              <a:rPr lang="ru-RU" dirty="0"/>
               <a:t>Функции</a:t>
             </a:r>
-            <a:endParaRPr lang="ru-RU" dirty="0"/>
           </a:p>
         </p:txBody>
       </p:sp>
@@ -3761,7 +3780,7 @@
           <p:cNvPr id="3" name="Объект 2">
             <a:extLst>
               <a:ext uri="{FF2B5EF4-FFF2-40B4-BE49-F238E27FC236}">
-                <a16:creationId xmlns:a16="http://schemas.microsoft.com/office/drawing/2014/main" xmlns="" id="{83B99B62-57B8-4C2C-8A3A-9ACEA6FC9533}"/>
+                <a16:creationId xmlns:a16="http://schemas.microsoft.com/office/drawing/2014/main" id="{83B99B62-57B8-4C2C-8A3A-9ACEA6FC9533}"/>
               </a:ext>
             </a:extLst>
           </p:cNvPr>
@@ -3778,7 +3797,7 @@
           <a:lstStyle/>
           <a:p>
             <a:r>
-              <a:rPr lang="ru-RU" dirty="0" smtClean="0"/>
+              <a:rPr lang="ru-RU" dirty="0"/>
               <a:t>Главная страница и личный кабинет</a:t>
             </a:r>
           </a:p>
@@ -3823,7 +3842,7 @@
     </p:spTree>
     <p:extLst>
       <p:ext uri="{BB962C8B-B14F-4D97-AF65-F5344CB8AC3E}">
-        <p14:creationId xmlns:p14="http://schemas.microsoft.com/office/powerpoint/2010/main" xmlns="" val="2367182526"/>
+        <p14:creationId xmlns:p14="http://schemas.microsoft.com/office/powerpoint/2010/main" val="2367182526"/>
       </p:ext>
     </p:extLst>
   </p:cSld>
@@ -3855,7 +3874,7 @@
           <p:cNvPr id="2" name="Заголовок 1">
             <a:extLst>
               <a:ext uri="{FF2B5EF4-FFF2-40B4-BE49-F238E27FC236}">
-                <a16:creationId xmlns:a16="http://schemas.microsoft.com/office/drawing/2014/main" xmlns="" id="{1593A954-0E9D-47A6-8965-8CB5DB5D4A67}"/>
+                <a16:creationId xmlns:a16="http://schemas.microsoft.com/office/drawing/2014/main" id="{1763BB7E-D829-4986-9283-18EB1953A9F0}"/>
               </a:ext>
             </a:extLst>
           </p:cNvPr>
@@ -3866,85 +3885,107 @@
             <p:ph type="title"/>
           </p:nvPr>
         </p:nvSpPr>
-        <p:spPr/>
-        <p:txBody>
-          <a:bodyPr>
-            <a:normAutofit/>
-          </a:bodyPr>
+        <p:spPr>
+          <a:xfrm>
+            <a:off x="1226759" y="365760"/>
+            <a:ext cx="9692640" cy="860812"/>
+          </a:xfrm>
+        </p:spPr>
+        <p:txBody>
+          <a:bodyPr/>
           <a:lstStyle/>
           <a:p>
             <a:r>
               <a:rPr lang="ru-RU" dirty="0"/>
-              <a:t>Заключение</a:t>
-            </a:r>
-            <a:br>
-              <a:rPr lang="ru-RU" dirty="0"/>
-            </a:br>
-            <a:r>
-              <a:rPr lang="ru-RU" sz="2400" dirty="0">
-                <a:solidFill>
-                  <a:schemeClr val="tx1">
-                    <a:lumMod val="50000"/>
-                    <a:lumOff val="50000"/>
-                  </a:schemeClr>
-                </a:solidFill>
-                <a:latin typeface="+mn-lt"/>
-              </a:rPr>
-              <a:t>Выводы по работе, возможности для доработки и развития.</a:t>
-            </a:r>
-            <a:endParaRPr lang="ru-RU" sz="2400" dirty="0"/>
-          </a:p>
-        </p:txBody>
-      </p:sp>
-      <p:sp>
-        <p:nvSpPr>
-          <p:cNvPr id="3" name="Объект 2">
+              <a:t>Реализация</a:t>
+            </a:r>
+          </a:p>
+        </p:txBody>
+      </p:sp>
+      <p:pic>
+        <p:nvPicPr>
+          <p:cNvPr id="5" name="Рисунок 4">
             <a:extLst>
               <a:ext uri="{FF2B5EF4-FFF2-40B4-BE49-F238E27FC236}">
-                <a16:creationId xmlns:a16="http://schemas.microsoft.com/office/drawing/2014/main" xmlns="" id="{67E61B6C-52A3-4A0A-A2AE-FD6A3E995F4F}"/>
+                <a16:creationId xmlns:a16="http://schemas.microsoft.com/office/drawing/2014/main" id="{2DB119FD-FEB1-4D80-BC37-0B250EAED419}"/>
               </a:ext>
             </a:extLst>
           </p:cNvPr>
-          <p:cNvSpPr>
-            <a:spLocks noGrp="1"/>
-          </p:cNvSpPr>
-          <p:nvPr>
-            <p:ph idx="1"/>
-          </p:nvPr>
-        </p:nvSpPr>
+          <p:cNvPicPr>
+            <a:picLocks noChangeAspect="1"/>
+          </p:cNvPicPr>
+          <p:nvPr/>
+        </p:nvPicPr>
+        <p:blipFill>
+          <a:blip r:embed="rId2"/>
+          <a:stretch>
+            <a:fillRect/>
+          </a:stretch>
+        </p:blipFill>
         <p:spPr>
           <a:xfrm>
-            <a:off x="1261872" y="2743200"/>
-            <a:ext cx="8595360" cy="2321201"/>
+            <a:off x="1226759" y="1328816"/>
+            <a:ext cx="9738482" cy="5163424"/>
           </a:xfrm>
+          <a:prstGeom prst="rect">
+            <a:avLst/>
+          </a:prstGeom>
         </p:spPr>
-        <p:txBody>
-          <a:bodyPr/>
-          <a:lstStyle/>
-          <a:p>
-            <a:r>
-              <a:rPr lang="ru-RU" sz="1800" dirty="0"/>
-              <a:t>Благодаря работе над этим проектом я узнал очень много новой информации, закрепил уже полученные знания и получил бесценный опыт в сфере написания сайтов. </a:t>
-            </a:r>
-          </a:p>
-          <a:p>
-            <a:endParaRPr lang="ru-RU" sz="1800" dirty="0"/>
-          </a:p>
-          <a:p>
-            <a:r>
-              <a:rPr lang="ru-RU" sz="1800" dirty="0"/>
-              <a:t>В планах у меня дальше развиваться в сфере создания сайтов и заниматься этим на профессиональном уровне.</a:t>
-            </a:r>
-          </a:p>
-          <a:p>
-            <a:endParaRPr lang="ru-RU" dirty="0"/>
+      </p:pic>
+      <p:sp>
+        <p:nvSpPr>
+          <p:cNvPr id="6" name="Прямоугольник 5">
+            <a:extLst>
+              <a:ext uri="{FF2B5EF4-FFF2-40B4-BE49-F238E27FC236}">
+                <a16:creationId xmlns:a16="http://schemas.microsoft.com/office/drawing/2014/main" id="{4C1BF596-C67F-46FF-93CC-AC4EFB611487}"/>
+              </a:ext>
+            </a:extLst>
+          </p:cNvPr>
+          <p:cNvSpPr/>
+          <p:nvPr/>
+        </p:nvSpPr>
+        <p:spPr>
+          <a:xfrm>
+            <a:off x="1308683" y="2214695"/>
+            <a:ext cx="1459684" cy="184556"/>
+          </a:xfrm>
+          <a:prstGeom prst="rect">
+            <a:avLst/>
+          </a:prstGeom>
+          <a:noFill/>
+          <a:ln w="28575">
+            <a:solidFill>
+              <a:srgbClr val="FF0000"/>
+            </a:solidFill>
+          </a:ln>
+        </p:spPr>
+        <p:style>
+          <a:lnRef idx="2">
+            <a:schemeClr val="dk1"/>
+          </a:lnRef>
+          <a:fillRef idx="1">
+            <a:schemeClr val="lt1"/>
+          </a:fillRef>
+          <a:effectRef idx="0">
+            <a:schemeClr val="dk1"/>
+          </a:effectRef>
+          <a:fontRef idx="minor">
+            <a:schemeClr val="dk1"/>
+          </a:fontRef>
+        </p:style>
+        <p:txBody>
+          <a:bodyPr rtlCol="0" anchor="ctr"/>
+          <a:lstStyle/>
+          <a:p>
+            <a:pPr algn="ctr"/>
+            <a:endParaRPr lang="ru-RU"/>
           </a:p>
         </p:txBody>
       </p:sp>
     </p:spTree>
     <p:extLst>
       <p:ext uri="{BB962C8B-B14F-4D97-AF65-F5344CB8AC3E}">
-        <p14:creationId xmlns:p14="http://schemas.microsoft.com/office/powerpoint/2010/main" xmlns="" val="2240918863"/>
+        <p14:creationId xmlns:p14="http://schemas.microsoft.com/office/powerpoint/2010/main" val="3883935880"/>
       </p:ext>
     </p:extLst>
   </p:cSld>
@@ -3976,7 +4017,596 @@
           <p:cNvPr id="3" name="Рисунок 2">
             <a:extLst>
               <a:ext uri="{FF2B5EF4-FFF2-40B4-BE49-F238E27FC236}">
-                <a16:creationId xmlns:a16="http://schemas.microsoft.com/office/drawing/2014/main" xmlns="" id="{E55C0687-985A-416B-87D8-FCB879BC0F37}"/>
+                <a16:creationId xmlns:a16="http://schemas.microsoft.com/office/drawing/2014/main" id="{C103245C-A910-4EB3-B417-1B0525ABAEFC}"/>
+              </a:ext>
+            </a:extLst>
+          </p:cNvPr>
+          <p:cNvPicPr>
+            <a:picLocks noChangeAspect="1"/>
+          </p:cNvPicPr>
+          <p:nvPr/>
+        </p:nvPicPr>
+        <p:blipFill>
+          <a:blip r:embed="rId2"/>
+          <a:stretch>
+            <a:fillRect/>
+          </a:stretch>
+        </p:blipFill>
+        <p:spPr>
+          <a:xfrm>
+            <a:off x="0" y="196850"/>
+            <a:ext cx="12192000" cy="6464300"/>
+          </a:xfrm>
+          <a:prstGeom prst="rect">
+            <a:avLst/>
+          </a:prstGeom>
+        </p:spPr>
+      </p:pic>
+      <p:sp>
+        <p:nvSpPr>
+          <p:cNvPr id="4" name="Прямоугольник 3">
+            <a:extLst>
+              <a:ext uri="{FF2B5EF4-FFF2-40B4-BE49-F238E27FC236}">
+                <a16:creationId xmlns:a16="http://schemas.microsoft.com/office/drawing/2014/main" id="{C2A7AEF7-BC49-4184-9942-8C9D6FFBF2DD}"/>
+              </a:ext>
+            </a:extLst>
+          </p:cNvPr>
+          <p:cNvSpPr/>
+          <p:nvPr/>
+        </p:nvSpPr>
+        <p:spPr>
+          <a:xfrm>
+            <a:off x="92279" y="1753299"/>
+            <a:ext cx="1845578" cy="226503"/>
+          </a:xfrm>
+          <a:prstGeom prst="rect">
+            <a:avLst/>
+          </a:prstGeom>
+          <a:noFill/>
+          <a:ln w="28575">
+            <a:solidFill>
+              <a:srgbClr val="FF0000"/>
+            </a:solidFill>
+          </a:ln>
+        </p:spPr>
+        <p:style>
+          <a:lnRef idx="2">
+            <a:schemeClr val="dk1"/>
+          </a:lnRef>
+          <a:fillRef idx="1">
+            <a:schemeClr val="lt1"/>
+          </a:fillRef>
+          <a:effectRef idx="0">
+            <a:schemeClr val="dk1"/>
+          </a:effectRef>
+          <a:fontRef idx="minor">
+            <a:schemeClr val="dk1"/>
+          </a:fontRef>
+        </p:style>
+        <p:txBody>
+          <a:bodyPr rtlCol="0" anchor="ctr"/>
+          <a:lstStyle/>
+          <a:p>
+            <a:pPr algn="ctr"/>
+            <a:endParaRPr lang="ru-RU"/>
+          </a:p>
+        </p:txBody>
+      </p:sp>
+    </p:spTree>
+    <p:extLst>
+      <p:ext uri="{BB962C8B-B14F-4D97-AF65-F5344CB8AC3E}">
+        <p14:creationId xmlns:p14="http://schemas.microsoft.com/office/powerpoint/2010/main" val="3436753963"/>
+      </p:ext>
+    </p:extLst>
+  </p:cSld>
+  <p:clrMapOvr>
+    <a:masterClrMapping/>
+  </p:clrMapOvr>
+</p:sld>
+</file>
+
+<file path=ppt/slides/slide14.xml><?xml version="1.0" encoding="utf-8"?>
+<p:sld xmlns:a="http://schemas.openxmlformats.org/drawingml/2006/main" xmlns:r="http://schemas.openxmlformats.org/officeDocument/2006/relationships" xmlns:p="http://schemas.openxmlformats.org/presentationml/2006/main">
+  <p:cSld>
+    <p:spTree>
+      <p:nvGrpSpPr>
+        <p:cNvPr id="1" name=""/>
+        <p:cNvGrpSpPr/>
+        <p:nvPr/>
+      </p:nvGrpSpPr>
+      <p:grpSpPr>
+        <a:xfrm>
+          <a:off x="0" y="0"/>
+          <a:ext cx="0" cy="0"/>
+          <a:chOff x="0" y="0"/>
+          <a:chExt cx="0" cy="0"/>
+        </a:xfrm>
+      </p:grpSpPr>
+      <p:pic>
+        <p:nvPicPr>
+          <p:cNvPr id="3" name="Рисунок 2">
+            <a:extLst>
+              <a:ext uri="{FF2B5EF4-FFF2-40B4-BE49-F238E27FC236}">
+                <a16:creationId xmlns:a16="http://schemas.microsoft.com/office/drawing/2014/main" id="{1903FDE3-9C3F-43CD-B496-27DD6BD614ED}"/>
+              </a:ext>
+            </a:extLst>
+          </p:cNvPr>
+          <p:cNvPicPr>
+            <a:picLocks noChangeAspect="1"/>
+          </p:cNvPicPr>
+          <p:nvPr/>
+        </p:nvPicPr>
+        <p:blipFill>
+          <a:blip r:embed="rId2"/>
+          <a:stretch>
+            <a:fillRect/>
+          </a:stretch>
+        </p:blipFill>
+        <p:spPr>
+          <a:xfrm>
+            <a:off x="0" y="196850"/>
+            <a:ext cx="12192000" cy="6464300"/>
+          </a:xfrm>
+          <a:prstGeom prst="rect">
+            <a:avLst/>
+          </a:prstGeom>
+        </p:spPr>
+      </p:pic>
+    </p:spTree>
+    <p:extLst>
+      <p:ext uri="{BB962C8B-B14F-4D97-AF65-F5344CB8AC3E}">
+        <p14:creationId xmlns:p14="http://schemas.microsoft.com/office/powerpoint/2010/main" val="769122190"/>
+      </p:ext>
+    </p:extLst>
+  </p:cSld>
+  <p:clrMapOvr>
+    <a:masterClrMapping/>
+  </p:clrMapOvr>
+</p:sld>
+</file>
+
+<file path=ppt/slides/slide15.xml><?xml version="1.0" encoding="utf-8"?>
+<p:sld xmlns:a="http://schemas.openxmlformats.org/drawingml/2006/main" xmlns:r="http://schemas.openxmlformats.org/officeDocument/2006/relationships" xmlns:p="http://schemas.openxmlformats.org/presentationml/2006/main">
+  <p:cSld>
+    <p:spTree>
+      <p:nvGrpSpPr>
+        <p:cNvPr id="1" name=""/>
+        <p:cNvGrpSpPr/>
+        <p:nvPr/>
+      </p:nvGrpSpPr>
+      <p:grpSpPr>
+        <a:xfrm>
+          <a:off x="0" y="0"/>
+          <a:ext cx="0" cy="0"/>
+          <a:chOff x="0" y="0"/>
+          <a:chExt cx="0" cy="0"/>
+        </a:xfrm>
+      </p:grpSpPr>
+      <p:pic>
+        <p:nvPicPr>
+          <p:cNvPr id="3" name="Рисунок 2">
+            <a:extLst>
+              <a:ext uri="{FF2B5EF4-FFF2-40B4-BE49-F238E27FC236}">
+                <a16:creationId xmlns:a16="http://schemas.microsoft.com/office/drawing/2014/main" id="{145E48B6-723D-40E8-B799-40B1A3CF48A6}"/>
+              </a:ext>
+            </a:extLst>
+          </p:cNvPr>
+          <p:cNvPicPr>
+            <a:picLocks noChangeAspect="1"/>
+          </p:cNvPicPr>
+          <p:nvPr/>
+        </p:nvPicPr>
+        <p:blipFill>
+          <a:blip r:embed="rId2"/>
+          <a:stretch>
+            <a:fillRect/>
+          </a:stretch>
+        </p:blipFill>
+        <p:spPr>
+          <a:xfrm>
+            <a:off x="0" y="196850"/>
+            <a:ext cx="12192000" cy="6464300"/>
+          </a:xfrm>
+          <a:prstGeom prst="rect">
+            <a:avLst/>
+          </a:prstGeom>
+        </p:spPr>
+      </p:pic>
+    </p:spTree>
+    <p:extLst>
+      <p:ext uri="{BB962C8B-B14F-4D97-AF65-F5344CB8AC3E}">
+        <p14:creationId xmlns:p14="http://schemas.microsoft.com/office/powerpoint/2010/main" val="1509174487"/>
+      </p:ext>
+    </p:extLst>
+  </p:cSld>
+  <p:clrMapOvr>
+    <a:masterClrMapping/>
+  </p:clrMapOvr>
+</p:sld>
+</file>
+
+<file path=ppt/slides/slide16.xml><?xml version="1.0" encoding="utf-8"?>
+<p:sld xmlns:a="http://schemas.openxmlformats.org/drawingml/2006/main" xmlns:r="http://schemas.openxmlformats.org/officeDocument/2006/relationships" xmlns:p="http://schemas.openxmlformats.org/presentationml/2006/main">
+  <p:cSld>
+    <p:spTree>
+      <p:nvGrpSpPr>
+        <p:cNvPr id="1" name=""/>
+        <p:cNvGrpSpPr/>
+        <p:nvPr/>
+      </p:nvGrpSpPr>
+      <p:grpSpPr>
+        <a:xfrm>
+          <a:off x="0" y="0"/>
+          <a:ext cx="0" cy="0"/>
+          <a:chOff x="0" y="0"/>
+          <a:chExt cx="0" cy="0"/>
+        </a:xfrm>
+      </p:grpSpPr>
+      <p:pic>
+        <p:nvPicPr>
+          <p:cNvPr id="3" name="Рисунок 2">
+            <a:extLst>
+              <a:ext uri="{FF2B5EF4-FFF2-40B4-BE49-F238E27FC236}">
+                <a16:creationId xmlns:a16="http://schemas.microsoft.com/office/drawing/2014/main" id="{4D138985-24E2-43DF-B6D3-581B8BF6B7AA}"/>
+              </a:ext>
+            </a:extLst>
+          </p:cNvPr>
+          <p:cNvPicPr>
+            <a:picLocks noChangeAspect="1"/>
+          </p:cNvPicPr>
+          <p:nvPr/>
+        </p:nvPicPr>
+        <p:blipFill>
+          <a:blip r:embed="rId2"/>
+          <a:stretch>
+            <a:fillRect/>
+          </a:stretch>
+        </p:blipFill>
+        <p:spPr>
+          <a:xfrm>
+            <a:off x="0" y="31459"/>
+            <a:ext cx="12192000" cy="328246"/>
+          </a:xfrm>
+          <a:prstGeom prst="rect">
+            <a:avLst/>
+          </a:prstGeom>
+        </p:spPr>
+      </p:pic>
+      <p:pic>
+        <p:nvPicPr>
+          <p:cNvPr id="7" name="Рисунок 6">
+            <a:extLst>
+              <a:ext uri="{FF2B5EF4-FFF2-40B4-BE49-F238E27FC236}">
+                <a16:creationId xmlns:a16="http://schemas.microsoft.com/office/drawing/2014/main" id="{FB50F390-5E7E-4663-9071-47B336944455}"/>
+              </a:ext>
+            </a:extLst>
+          </p:cNvPr>
+          <p:cNvPicPr>
+            <a:picLocks noChangeAspect="1"/>
+          </p:cNvPicPr>
+          <p:nvPr/>
+        </p:nvPicPr>
+        <p:blipFill>
+          <a:blip r:embed="rId3"/>
+          <a:stretch>
+            <a:fillRect/>
+          </a:stretch>
+        </p:blipFill>
+        <p:spPr>
+          <a:xfrm>
+            <a:off x="0" y="400050"/>
+            <a:ext cx="12192000" cy="6457950"/>
+          </a:xfrm>
+          <a:prstGeom prst="rect">
+            <a:avLst/>
+          </a:prstGeom>
+        </p:spPr>
+      </p:pic>
+    </p:spTree>
+    <p:extLst>
+      <p:ext uri="{BB962C8B-B14F-4D97-AF65-F5344CB8AC3E}">
+        <p14:creationId xmlns:p14="http://schemas.microsoft.com/office/powerpoint/2010/main" val="1365016466"/>
+      </p:ext>
+    </p:extLst>
+  </p:cSld>
+  <p:clrMapOvr>
+    <a:masterClrMapping/>
+  </p:clrMapOvr>
+</p:sld>
+</file>
+
+<file path=ppt/slides/slide17.xml><?xml version="1.0" encoding="utf-8"?>
+<p:sld xmlns:a="http://schemas.openxmlformats.org/drawingml/2006/main" xmlns:r="http://schemas.openxmlformats.org/officeDocument/2006/relationships" xmlns:p="http://schemas.openxmlformats.org/presentationml/2006/main">
+  <p:cSld>
+    <p:spTree>
+      <p:nvGrpSpPr>
+        <p:cNvPr id="1" name=""/>
+        <p:cNvGrpSpPr/>
+        <p:nvPr/>
+      </p:nvGrpSpPr>
+      <p:grpSpPr>
+        <a:xfrm>
+          <a:off x="0" y="0"/>
+          <a:ext cx="0" cy="0"/>
+          <a:chOff x="0" y="0"/>
+          <a:chExt cx="0" cy="0"/>
+        </a:xfrm>
+      </p:grpSpPr>
+      <p:pic>
+        <p:nvPicPr>
+          <p:cNvPr id="3" name="Рисунок 2">
+            <a:extLst>
+              <a:ext uri="{FF2B5EF4-FFF2-40B4-BE49-F238E27FC236}">
+                <a16:creationId xmlns:a16="http://schemas.microsoft.com/office/drawing/2014/main" id="{94508D4B-F3DE-4FE3-92DD-5BF800A7351E}"/>
+              </a:ext>
+            </a:extLst>
+          </p:cNvPr>
+          <p:cNvPicPr>
+            <a:picLocks noChangeAspect="1"/>
+          </p:cNvPicPr>
+          <p:nvPr/>
+        </p:nvPicPr>
+        <p:blipFill>
+          <a:blip r:embed="rId2"/>
+          <a:stretch>
+            <a:fillRect/>
+          </a:stretch>
+        </p:blipFill>
+        <p:spPr>
+          <a:xfrm>
+            <a:off x="0" y="438150"/>
+            <a:ext cx="12192000" cy="5981700"/>
+          </a:xfrm>
+          <a:prstGeom prst="rect">
+            <a:avLst/>
+          </a:prstGeom>
+        </p:spPr>
+      </p:pic>
+      <p:pic>
+        <p:nvPicPr>
+          <p:cNvPr id="5" name="Рисунок 4">
+            <a:extLst>
+              <a:ext uri="{FF2B5EF4-FFF2-40B4-BE49-F238E27FC236}">
+                <a16:creationId xmlns:a16="http://schemas.microsoft.com/office/drawing/2014/main" id="{AEA26BAC-80F0-487C-952A-710F2A5912B9}"/>
+              </a:ext>
+            </a:extLst>
+          </p:cNvPr>
+          <p:cNvPicPr>
+            <a:picLocks noChangeAspect="1"/>
+          </p:cNvPicPr>
+          <p:nvPr/>
+        </p:nvPicPr>
+        <p:blipFill>
+          <a:blip r:embed="rId3"/>
+          <a:stretch>
+            <a:fillRect/>
+          </a:stretch>
+        </p:blipFill>
+        <p:spPr>
+          <a:xfrm>
+            <a:off x="2191674" y="3011648"/>
+            <a:ext cx="10000325" cy="2809435"/>
+          </a:xfrm>
+          <a:prstGeom prst="rect">
+            <a:avLst/>
+          </a:prstGeom>
+        </p:spPr>
+      </p:pic>
+      <p:sp>
+        <p:nvSpPr>
+          <p:cNvPr id="6" name="Прямоугольник 5">
+            <a:extLst>
+              <a:ext uri="{FF2B5EF4-FFF2-40B4-BE49-F238E27FC236}">
+                <a16:creationId xmlns:a16="http://schemas.microsoft.com/office/drawing/2014/main" id="{5B47B4F1-04D8-4801-BB1B-8DA8E6911B2D}"/>
+              </a:ext>
+            </a:extLst>
+          </p:cNvPr>
+          <p:cNvSpPr/>
+          <p:nvPr/>
+        </p:nvSpPr>
+        <p:spPr>
+          <a:xfrm>
+            <a:off x="117446" y="1510018"/>
+            <a:ext cx="1845578" cy="226503"/>
+          </a:xfrm>
+          <a:prstGeom prst="rect">
+            <a:avLst/>
+          </a:prstGeom>
+          <a:noFill/>
+          <a:ln w="28575">
+            <a:solidFill>
+              <a:srgbClr val="FF0000"/>
+            </a:solidFill>
+          </a:ln>
+        </p:spPr>
+        <p:style>
+          <a:lnRef idx="2">
+            <a:schemeClr val="dk1"/>
+          </a:lnRef>
+          <a:fillRef idx="1">
+            <a:schemeClr val="lt1"/>
+          </a:fillRef>
+          <a:effectRef idx="0">
+            <a:schemeClr val="dk1"/>
+          </a:effectRef>
+          <a:fontRef idx="minor">
+            <a:schemeClr val="dk1"/>
+          </a:fontRef>
+        </p:style>
+        <p:txBody>
+          <a:bodyPr rtlCol="0" anchor="ctr"/>
+          <a:lstStyle/>
+          <a:p>
+            <a:pPr algn="ctr"/>
+            <a:endParaRPr lang="ru-RU"/>
+          </a:p>
+        </p:txBody>
+      </p:sp>
+    </p:spTree>
+    <p:extLst>
+      <p:ext uri="{BB962C8B-B14F-4D97-AF65-F5344CB8AC3E}">
+        <p14:creationId xmlns:p14="http://schemas.microsoft.com/office/powerpoint/2010/main" val="1283352470"/>
+      </p:ext>
+    </p:extLst>
+  </p:cSld>
+  <p:clrMapOvr>
+    <a:masterClrMapping/>
+  </p:clrMapOvr>
+</p:sld>
+</file>
+
+<file path=ppt/slides/slide18.xml><?xml version="1.0" encoding="utf-8"?>
+<p:sld xmlns:a="http://schemas.openxmlformats.org/drawingml/2006/main" xmlns:r="http://schemas.openxmlformats.org/officeDocument/2006/relationships" xmlns:p="http://schemas.openxmlformats.org/presentationml/2006/main">
+  <p:cSld>
+    <p:spTree>
+      <p:nvGrpSpPr>
+        <p:cNvPr id="1" name=""/>
+        <p:cNvGrpSpPr/>
+        <p:nvPr/>
+      </p:nvGrpSpPr>
+      <p:grpSpPr>
+        <a:xfrm>
+          <a:off x="0" y="0"/>
+          <a:ext cx="0" cy="0"/>
+          <a:chOff x="0" y="0"/>
+          <a:chExt cx="0" cy="0"/>
+        </a:xfrm>
+      </p:grpSpPr>
+      <p:sp>
+        <p:nvSpPr>
+          <p:cNvPr id="2" name="Заголовок 1">
+            <a:extLst>
+              <a:ext uri="{FF2B5EF4-FFF2-40B4-BE49-F238E27FC236}">
+                <a16:creationId xmlns:a16="http://schemas.microsoft.com/office/drawing/2014/main" id="{1593A954-0E9D-47A6-8965-8CB5DB5D4A67}"/>
+              </a:ext>
+            </a:extLst>
+          </p:cNvPr>
+          <p:cNvSpPr>
+            <a:spLocks noGrp="1"/>
+          </p:cNvSpPr>
+          <p:nvPr>
+            <p:ph type="title"/>
+          </p:nvPr>
+        </p:nvSpPr>
+        <p:spPr/>
+        <p:txBody>
+          <a:bodyPr>
+            <a:normAutofit/>
+          </a:bodyPr>
+          <a:lstStyle/>
+          <a:p>
+            <a:r>
+              <a:rPr lang="ru-RU" dirty="0"/>
+              <a:t>Заключение</a:t>
+            </a:r>
+            <a:br>
+              <a:rPr lang="ru-RU" dirty="0"/>
+            </a:br>
+            <a:r>
+              <a:rPr lang="ru-RU" sz="2400" dirty="0">
+                <a:solidFill>
+                  <a:schemeClr val="tx1">
+                    <a:lumMod val="50000"/>
+                    <a:lumOff val="50000"/>
+                  </a:schemeClr>
+                </a:solidFill>
+                <a:latin typeface="+mn-lt"/>
+              </a:rPr>
+              <a:t>Выводы по работе, возможности для доработки и развития.</a:t>
+            </a:r>
+            <a:endParaRPr lang="ru-RU" sz="2400" dirty="0"/>
+          </a:p>
+        </p:txBody>
+      </p:sp>
+      <p:sp>
+        <p:nvSpPr>
+          <p:cNvPr id="3" name="Объект 2">
+            <a:extLst>
+              <a:ext uri="{FF2B5EF4-FFF2-40B4-BE49-F238E27FC236}">
+                <a16:creationId xmlns:a16="http://schemas.microsoft.com/office/drawing/2014/main" id="{67E61B6C-52A3-4A0A-A2AE-FD6A3E995F4F}"/>
+              </a:ext>
+            </a:extLst>
+          </p:cNvPr>
+          <p:cNvSpPr>
+            <a:spLocks noGrp="1"/>
+          </p:cNvSpPr>
+          <p:nvPr>
+            <p:ph idx="1"/>
+          </p:nvPr>
+        </p:nvSpPr>
+        <p:spPr>
+          <a:xfrm>
+            <a:off x="1261872" y="2743200"/>
+            <a:ext cx="8595360" cy="2321201"/>
+          </a:xfrm>
+        </p:spPr>
+        <p:txBody>
+          <a:bodyPr/>
+          <a:lstStyle/>
+          <a:p>
+            <a:r>
+              <a:rPr lang="ru-RU" sz="1800" dirty="0"/>
+              <a:t>Благодаря работе над этим проектом я узнал очень много новой информации, закрепил уже полученные знания и получил бесценный опыт в сфере написания сайтов. </a:t>
+            </a:r>
+          </a:p>
+          <a:p>
+            <a:endParaRPr lang="ru-RU" sz="1800" dirty="0"/>
+          </a:p>
+          <a:p>
+            <a:r>
+              <a:rPr lang="ru-RU" sz="1800" dirty="0"/>
+              <a:t>В планах у меня дальше развиваться в сфере создания сайтов и заниматься этим на профессиональном уровне.</a:t>
+            </a:r>
+          </a:p>
+          <a:p>
+            <a:endParaRPr lang="ru-RU" dirty="0"/>
+          </a:p>
+        </p:txBody>
+      </p:sp>
+    </p:spTree>
+    <p:extLst>
+      <p:ext uri="{BB962C8B-B14F-4D97-AF65-F5344CB8AC3E}">
+        <p14:creationId xmlns:p14="http://schemas.microsoft.com/office/powerpoint/2010/main" val="2240918863"/>
+      </p:ext>
+    </p:extLst>
+  </p:cSld>
+  <p:clrMapOvr>
+    <a:masterClrMapping/>
+  </p:clrMapOvr>
+</p:sld>
+</file>
+
+<file path=ppt/slides/slide19.xml><?xml version="1.0" encoding="utf-8"?>
+<p:sld xmlns:a="http://schemas.openxmlformats.org/drawingml/2006/main" xmlns:r="http://schemas.openxmlformats.org/officeDocument/2006/relationships" xmlns:p="http://schemas.openxmlformats.org/presentationml/2006/main">
+  <p:cSld>
+    <p:bg>
+      <p:bgPr>
+        <a:solidFill>
+          <a:schemeClr val="bg1"/>
+        </a:solidFill>
+        <a:effectLst/>
+      </p:bgPr>
+    </p:bg>
+    <p:spTree>
+      <p:nvGrpSpPr>
+        <p:cNvPr id="1" name=""/>
+        <p:cNvGrpSpPr/>
+        <p:nvPr/>
+      </p:nvGrpSpPr>
+      <p:grpSpPr>
+        <a:xfrm>
+          <a:off x="0" y="0"/>
+          <a:ext cx="0" cy="0"/>
+          <a:chOff x="0" y="0"/>
+          <a:chExt cx="0" cy="0"/>
+        </a:xfrm>
+      </p:grpSpPr>
+      <p:pic>
+        <p:nvPicPr>
+          <p:cNvPr id="3" name="Рисунок 2">
+            <a:extLst>
+              <a:ext uri="{FF2B5EF4-FFF2-40B4-BE49-F238E27FC236}">
+                <a16:creationId xmlns:a16="http://schemas.microsoft.com/office/drawing/2014/main" id="{E55C0687-985A-416B-87D8-FCB879BC0F37}"/>
               </a:ext>
             </a:extLst>
           </p:cNvPr>
@@ -3989,7 +4619,7 @@
           <a:blip r:embed="rId2">
             <a:extLst>
               <a:ext uri="{28A0092B-C50C-407E-A947-70E740481C1C}">
-                <a14:useLocalDpi xmlns:a14="http://schemas.microsoft.com/office/drawing/2010/main" xmlns="" val="0"/>
+                <a14:useLocalDpi xmlns:a14="http://schemas.microsoft.com/office/drawing/2010/main" val="0"/>
               </a:ext>
             </a:extLst>
           </a:blip>
@@ -4007,10 +4637,82 @@
           </a:prstGeom>
         </p:spPr>
       </p:pic>
+      <p:pic>
+        <p:nvPicPr>
+          <p:cNvPr id="4" name="Рисунок 3">
+            <a:extLst>
+              <a:ext uri="{FF2B5EF4-FFF2-40B4-BE49-F238E27FC236}">
+                <a16:creationId xmlns:a16="http://schemas.microsoft.com/office/drawing/2014/main" id="{4EF38481-B3C9-43A1-9850-8242DD6A3E50}"/>
+              </a:ext>
+            </a:extLst>
+          </p:cNvPr>
+          <p:cNvPicPr>
+            <a:picLocks noChangeAspect="1"/>
+          </p:cNvPicPr>
+          <p:nvPr/>
+        </p:nvPicPr>
+        <p:blipFill>
+          <a:blip r:embed="rId3">
+            <a:extLst>
+              <a:ext uri="{28A0092B-C50C-407E-A947-70E740481C1C}">
+                <a14:useLocalDpi xmlns:a14="http://schemas.microsoft.com/office/drawing/2010/main" val="0"/>
+              </a:ext>
+            </a:extLst>
+          </a:blip>
+          <a:stretch>
+            <a:fillRect/>
+          </a:stretch>
+        </p:blipFill>
+        <p:spPr>
+          <a:xfrm>
+            <a:off x="0" y="0"/>
+            <a:ext cx="4507936" cy="1828571"/>
+          </a:xfrm>
+          <a:prstGeom prst="rect">
+            <a:avLst/>
+          </a:prstGeom>
+        </p:spPr>
+      </p:pic>
+      <p:pic>
+        <p:nvPicPr>
+          <p:cNvPr id="6" name="Рисунок 5">
+            <a:extLst>
+              <a:ext uri="{FF2B5EF4-FFF2-40B4-BE49-F238E27FC236}">
+                <a16:creationId xmlns:a16="http://schemas.microsoft.com/office/drawing/2014/main" id="{6B24B8F4-7B8C-41E9-84F3-F6D0A7120F1A}"/>
+              </a:ext>
+            </a:extLst>
+          </p:cNvPr>
+          <p:cNvPicPr>
+            <a:picLocks noChangeAspect="1"/>
+          </p:cNvPicPr>
+          <p:nvPr/>
+        </p:nvPicPr>
+        <p:blipFill>
+          <a:blip r:embed="rId4">
+            <a:extLst>
+              <a:ext uri="{28A0092B-C50C-407E-A947-70E740481C1C}">
+                <a14:useLocalDpi xmlns:a14="http://schemas.microsoft.com/office/drawing/2010/main" val="0"/>
+              </a:ext>
+            </a:extLst>
+          </a:blip>
+          <a:stretch>
+            <a:fillRect/>
+          </a:stretch>
+        </p:blipFill>
+        <p:spPr>
+          <a:xfrm>
+            <a:off x="5982476" y="5029429"/>
+            <a:ext cx="6209524" cy="1828571"/>
+          </a:xfrm>
+          <a:prstGeom prst="rect">
+            <a:avLst/>
+          </a:prstGeom>
+        </p:spPr>
+      </p:pic>
     </p:spTree>
     <p:extLst>
       <p:ext uri="{BB962C8B-B14F-4D97-AF65-F5344CB8AC3E}">
-        <p14:creationId xmlns:p14="http://schemas.microsoft.com/office/powerpoint/2010/main" xmlns="" val="3634065192"/>
+        <p14:creationId xmlns:p14="http://schemas.microsoft.com/office/powerpoint/2010/main" val="3634065192"/>
       </p:ext>
     </p:extLst>
   </p:cSld>
@@ -4042,7 +4744,7 @@
           <p:cNvPr id="2" name="Заголовок 1">
             <a:extLst>
               <a:ext uri="{FF2B5EF4-FFF2-40B4-BE49-F238E27FC236}">
-                <a16:creationId xmlns:a16="http://schemas.microsoft.com/office/drawing/2014/main" xmlns="" id="{6C21E8E9-FC6C-4A43-8ADB-1A48F2091FB0}"/>
+                <a16:creationId xmlns:a16="http://schemas.microsoft.com/office/drawing/2014/main" id="{6C21E8E9-FC6C-4A43-8ADB-1A48F2091FB0}"/>
               </a:ext>
             </a:extLst>
           </p:cNvPr>
@@ -4093,7 +4795,7 @@
           <p:cNvPr id="3" name="Объект 2">
             <a:extLst>
               <a:ext uri="{FF2B5EF4-FFF2-40B4-BE49-F238E27FC236}">
-                <a16:creationId xmlns:a16="http://schemas.microsoft.com/office/drawing/2014/main" xmlns="" id="{0256EF71-902E-45E6-80DF-563A9C2CCFFB}"/>
+                <a16:creationId xmlns:a16="http://schemas.microsoft.com/office/drawing/2014/main" id="{0256EF71-902E-45E6-80DF-563A9C2CCFFB}"/>
               </a:ext>
             </a:extLst>
           </p:cNvPr>
@@ -4129,7 +4831,7 @@
     </p:spTree>
     <p:extLst>
       <p:ext uri="{BB962C8B-B14F-4D97-AF65-F5344CB8AC3E}">
-        <p14:creationId xmlns:p14="http://schemas.microsoft.com/office/powerpoint/2010/main" xmlns="" val="2414215706"/>
+        <p14:creationId xmlns:p14="http://schemas.microsoft.com/office/powerpoint/2010/main" val="2414215706"/>
       </p:ext>
     </p:extLst>
   </p:cSld>
@@ -4161,7 +4863,7 @@
           <p:cNvPr id="2" name="Заголовок 1">
             <a:extLst>
               <a:ext uri="{FF2B5EF4-FFF2-40B4-BE49-F238E27FC236}">
-                <a16:creationId xmlns:a16="http://schemas.microsoft.com/office/drawing/2014/main" xmlns="" id="{D0B19DDE-4E7C-4EFA-B01F-FEAC8221BDC4}"/>
+                <a16:creationId xmlns:a16="http://schemas.microsoft.com/office/drawing/2014/main" id="{D0B19DDE-4E7C-4EFA-B01F-FEAC8221BDC4}"/>
               </a:ext>
             </a:extLst>
           </p:cNvPr>
@@ -4205,7 +4907,7 @@
           <p:cNvPr id="3" name="Объект 2">
             <a:extLst>
               <a:ext uri="{FF2B5EF4-FFF2-40B4-BE49-F238E27FC236}">
-                <a16:creationId xmlns:a16="http://schemas.microsoft.com/office/drawing/2014/main" xmlns="" id="{7A4EFF9D-9B1D-4EEE-B522-5D9210852941}"/>
+                <a16:creationId xmlns:a16="http://schemas.microsoft.com/office/drawing/2014/main" id="{7A4EFF9D-9B1D-4EEE-B522-5D9210852941}"/>
               </a:ext>
             </a:extLst>
           </p:cNvPr>
@@ -4228,20 +4930,16 @@
             </a:pPr>
             <a:r>
               <a:rPr lang="ru-RU" dirty="0"/>
-              <a:t>Технологии</a:t>
-            </a:r>
-            <a:r>
-              <a:rPr lang="ru-RU" dirty="0" smtClean="0"/>
-              <a:t>:</a:t>
-            </a:r>
-            <a:endParaRPr lang="en-US" dirty="0" smtClean="0"/>
+              <a:t>Технологии:</a:t>
+            </a:r>
+            <a:endParaRPr lang="en-US" dirty="0"/>
           </a:p>
           <a:p>
             <a:pPr marL="0" indent="0">
               <a:buNone/>
             </a:pPr>
             <a:r>
-              <a:rPr lang="ru-RU" dirty="0" smtClean="0"/>
+              <a:rPr lang="ru-RU" dirty="0"/>
               <a:t>Библиотеки:</a:t>
             </a:r>
           </a:p>
@@ -4251,7 +4949,7 @@
               <a:buAutoNum type="arabicPeriod"/>
             </a:pPr>
             <a:r>
-              <a:rPr lang="en-US" dirty="0" smtClean="0"/>
+              <a:rPr lang="en-US" dirty="0"/>
               <a:t>Os</a:t>
             </a:r>
           </a:p>
@@ -4261,7 +4959,7 @@
               <a:buAutoNum type="arabicPeriod"/>
             </a:pPr>
             <a:r>
-              <a:rPr lang="en-US" dirty="0" smtClean="0"/>
+              <a:rPr lang="en-US" dirty="0"/>
               <a:t>Random</a:t>
             </a:r>
           </a:p>
@@ -4271,10 +4969,10 @@
               <a:buAutoNum type="arabicPeriod"/>
             </a:pPr>
             <a:r>
-              <a:rPr lang="en-US" dirty="0" err="1" smtClean="0"/>
+              <a:rPr lang="en-US" dirty="0" err="1"/>
               <a:t>Datetime</a:t>
             </a:r>
-            <a:endParaRPr lang="en-US" dirty="0" smtClean="0"/>
+            <a:endParaRPr lang="en-US" dirty="0"/>
           </a:p>
           <a:p>
             <a:pPr marL="342900" indent="-342900">
@@ -4282,7 +4980,7 @@
               <a:buAutoNum type="arabicPeriod"/>
             </a:pPr>
             <a:r>
-              <a:rPr lang="en-US" dirty="0" smtClean="0"/>
+              <a:rPr lang="en-US" dirty="0"/>
               <a:t>Flask</a:t>
             </a:r>
           </a:p>
@@ -4292,10 +4990,10 @@
               <a:buAutoNum type="arabicPeriod"/>
             </a:pPr>
             <a:r>
-              <a:rPr lang="en-US" dirty="0" err="1" smtClean="0"/>
+              <a:rPr lang="en-US" dirty="0" err="1"/>
               <a:t>Flask_login</a:t>
             </a:r>
-            <a:endParaRPr lang="en-US" dirty="0" smtClean="0"/>
+            <a:endParaRPr lang="en-US" dirty="0"/>
           </a:p>
           <a:p>
             <a:pPr marL="342900" indent="-342900">
@@ -4303,10 +5001,10 @@
               <a:buAutoNum type="arabicPeriod"/>
             </a:pPr>
             <a:r>
-              <a:rPr lang="en-US" dirty="0" err="1" smtClean="0"/>
+              <a:rPr lang="en-US" dirty="0" err="1"/>
               <a:t>SqlAlchemy</a:t>
             </a:r>
-            <a:endParaRPr lang="en-US" dirty="0" smtClean="0"/>
+            <a:endParaRPr lang="en-US" dirty="0"/>
           </a:p>
           <a:p>
             <a:pPr marL="342900" indent="-342900">
@@ -4314,7 +5012,7 @@
               <a:buAutoNum type="arabicPeriod"/>
             </a:pPr>
             <a:r>
-              <a:rPr lang="en-US" dirty="0" err="1" smtClean="0"/>
+              <a:rPr lang="en-US" dirty="0" err="1"/>
               <a:t>Flask_restful</a:t>
             </a:r>
             <a:endParaRPr lang="ru-RU" dirty="0"/>
@@ -4324,7 +5022,7 @@
     </p:spTree>
     <p:extLst>
       <p:ext uri="{BB962C8B-B14F-4D97-AF65-F5344CB8AC3E}">
-        <p14:creationId xmlns:p14="http://schemas.microsoft.com/office/powerpoint/2010/main" xmlns="" val="2126031807"/>
+        <p14:creationId xmlns:p14="http://schemas.microsoft.com/office/powerpoint/2010/main" val="2126031807"/>
       </p:ext>
     </p:extLst>
   </p:cSld>
@@ -4356,7 +5054,7 @@
           <p:cNvPr id="2" name="Заголовок 1">
             <a:extLst>
               <a:ext uri="{FF2B5EF4-FFF2-40B4-BE49-F238E27FC236}">
-                <a16:creationId xmlns:a16="http://schemas.microsoft.com/office/drawing/2014/main" xmlns="" id="{36D1A59E-298C-4F79-87B6-FFA98CAB4AA2}"/>
+                <a16:creationId xmlns:a16="http://schemas.microsoft.com/office/drawing/2014/main" id="{36D1A59E-298C-4F79-87B6-FFA98CAB4AA2}"/>
               </a:ext>
             </a:extLst>
           </p:cNvPr>
@@ -4380,10 +5078,9 @@
           <a:lstStyle/>
           <a:p>
             <a:r>
-              <a:rPr lang="ru-RU" dirty="0" smtClean="0"/>
+              <a:rPr lang="ru-RU" dirty="0"/>
               <a:t>Классы (Формы)</a:t>
             </a:r>
-            <a:endParaRPr lang="ru-RU" dirty="0"/>
           </a:p>
         </p:txBody>
       </p:sp>
@@ -4557,7 +5254,7 @@
     </p:spTree>
     <p:extLst>
       <p:ext uri="{BB962C8B-B14F-4D97-AF65-F5344CB8AC3E}">
-        <p14:creationId xmlns:p14="http://schemas.microsoft.com/office/powerpoint/2010/main" xmlns="" val="83845075"/>
+        <p14:creationId xmlns:p14="http://schemas.microsoft.com/office/powerpoint/2010/main" val="83845075"/>
       </p:ext>
     </p:extLst>
   </p:cSld>
@@ -4589,7 +5286,7 @@
           <p:cNvPr id="2" name="Заголовок 1">
             <a:extLst>
               <a:ext uri="{FF2B5EF4-FFF2-40B4-BE49-F238E27FC236}">
-                <a16:creationId xmlns:a16="http://schemas.microsoft.com/office/drawing/2014/main" xmlns="" id="{9273F88B-F710-481B-AEBA-0C17A3D27D52}"/>
+                <a16:creationId xmlns:a16="http://schemas.microsoft.com/office/drawing/2014/main" id="{9273F88B-F710-481B-AEBA-0C17A3D27D52}"/>
               </a:ext>
             </a:extLst>
           </p:cNvPr>
@@ -4606,10 +5303,9 @@
           <a:lstStyle/>
           <a:p>
             <a:r>
-              <a:rPr lang="ru-RU" dirty="0" smtClean="0"/>
+              <a:rPr lang="ru-RU" dirty="0"/>
               <a:t>Модели (Модель книги и жанра)</a:t>
             </a:r>
-            <a:endParaRPr lang="ru-RU" dirty="0"/>
           </a:p>
         </p:txBody>
       </p:sp>
@@ -4684,7 +5380,7 @@
     </p:spTree>
     <p:extLst>
       <p:ext uri="{BB962C8B-B14F-4D97-AF65-F5344CB8AC3E}">
-        <p14:creationId xmlns:p14="http://schemas.microsoft.com/office/powerpoint/2010/main" xmlns="" val="2180056543"/>
+        <p14:creationId xmlns:p14="http://schemas.microsoft.com/office/powerpoint/2010/main" val="2180056543"/>
       </p:ext>
     </p:extLst>
   </p:cSld>
@@ -4716,7 +5412,7 @@
           <p:cNvPr id="2" name="Заголовок 1">
             <a:extLst>
               <a:ext uri="{FF2B5EF4-FFF2-40B4-BE49-F238E27FC236}">
-                <a16:creationId xmlns:a16="http://schemas.microsoft.com/office/drawing/2014/main" xmlns="" id="{2D5AE8E5-5DDB-4ED9-8B92-7B976F3D1C03}"/>
+                <a16:creationId xmlns:a16="http://schemas.microsoft.com/office/drawing/2014/main" id="{2D5AE8E5-5DDB-4ED9-8B92-7B976F3D1C03}"/>
               </a:ext>
             </a:extLst>
           </p:cNvPr>
@@ -4733,10 +5429,9 @@
           <a:lstStyle/>
           <a:p>
             <a:r>
-              <a:rPr lang="ru-RU" dirty="0" smtClean="0"/>
+              <a:rPr lang="ru-RU" dirty="0"/>
               <a:t>Модель пользователя</a:t>
             </a:r>
-            <a:endParaRPr lang="ru-RU" dirty="0"/>
           </a:p>
         </p:txBody>
       </p:sp>
@@ -4778,7 +5473,7 @@
     </p:spTree>
     <p:extLst>
       <p:ext uri="{BB962C8B-B14F-4D97-AF65-F5344CB8AC3E}">
-        <p14:creationId xmlns:p14="http://schemas.microsoft.com/office/powerpoint/2010/main" xmlns="" val="368459328"/>
+        <p14:creationId xmlns:p14="http://schemas.microsoft.com/office/powerpoint/2010/main" val="368459328"/>
       </p:ext>
     </p:extLst>
   </p:cSld>
@@ -4810,7 +5505,7 @@
           <p:cNvPr id="2" name="Заголовок 1">
             <a:extLst>
               <a:ext uri="{FF2B5EF4-FFF2-40B4-BE49-F238E27FC236}">
-                <a16:creationId xmlns:a16="http://schemas.microsoft.com/office/drawing/2014/main" xmlns="" id="{ABF3BDE5-A49E-4235-ABB6-8DE6322556F1}"/>
+                <a16:creationId xmlns:a16="http://schemas.microsoft.com/office/drawing/2014/main" id="{ABF3BDE5-A49E-4235-ABB6-8DE6322556F1}"/>
               </a:ext>
             </a:extLst>
           </p:cNvPr>
@@ -4827,10 +5522,9 @@
           <a:lstStyle/>
           <a:p>
             <a:r>
-              <a:rPr lang="ru-RU" dirty="0" smtClean="0"/>
+              <a:rPr lang="ru-RU" dirty="0"/>
               <a:t>Функции</a:t>
             </a:r>
-            <a:endParaRPr lang="ru-RU" dirty="0"/>
           </a:p>
         </p:txBody>
       </p:sp>
@@ -4839,7 +5533,7 @@
           <p:cNvPr id="3" name="Объект 2">
             <a:extLst>
               <a:ext uri="{FF2B5EF4-FFF2-40B4-BE49-F238E27FC236}">
-                <a16:creationId xmlns:a16="http://schemas.microsoft.com/office/drawing/2014/main" xmlns="" id="{F37554EB-CECB-46DA-AA63-49E5124FBFFE}"/>
+                <a16:creationId xmlns:a16="http://schemas.microsoft.com/office/drawing/2014/main" id="{F37554EB-CECB-46DA-AA63-49E5124FBFFE}"/>
               </a:ext>
             </a:extLst>
           </p:cNvPr>
@@ -4856,10 +5550,9 @@
           <a:lstStyle/>
           <a:p>
             <a:r>
-              <a:rPr lang="ru-RU" dirty="0" smtClean="0"/>
+              <a:rPr lang="ru-RU" dirty="0"/>
               <a:t>Добавление книги</a:t>
             </a:r>
-            <a:endParaRPr lang="ru-RU" dirty="0"/>
           </a:p>
         </p:txBody>
       </p:sp>
@@ -4899,7 +5592,7 @@
     </p:spTree>
     <p:extLst>
       <p:ext uri="{BB962C8B-B14F-4D97-AF65-F5344CB8AC3E}">
-        <p14:creationId xmlns:p14="http://schemas.microsoft.com/office/powerpoint/2010/main" xmlns="" val="1982399702"/>
+        <p14:creationId xmlns:p14="http://schemas.microsoft.com/office/powerpoint/2010/main" val="1982399702"/>
       </p:ext>
     </p:extLst>
   </p:cSld>
@@ -4931,7 +5624,7 @@
           <p:cNvPr id="2" name="Заголовок 1">
             <a:extLst>
               <a:ext uri="{FF2B5EF4-FFF2-40B4-BE49-F238E27FC236}">
-                <a16:creationId xmlns:a16="http://schemas.microsoft.com/office/drawing/2014/main" xmlns="" id="{ABF3BDE5-A49E-4235-ABB6-8DE6322556F1}"/>
+                <a16:creationId xmlns:a16="http://schemas.microsoft.com/office/drawing/2014/main" id="{ABF3BDE5-A49E-4235-ABB6-8DE6322556F1}"/>
               </a:ext>
             </a:extLst>
           </p:cNvPr>
@@ -4948,10 +5641,9 @@
           <a:lstStyle/>
           <a:p>
             <a:r>
-              <a:rPr lang="ru-RU" dirty="0" smtClean="0"/>
+              <a:rPr lang="ru-RU" dirty="0"/>
               <a:t>Функции</a:t>
             </a:r>
-            <a:endParaRPr lang="ru-RU" dirty="0"/>
           </a:p>
         </p:txBody>
       </p:sp>
@@ -4960,7 +5652,7 @@
           <p:cNvPr id="3" name="Объект 2">
             <a:extLst>
               <a:ext uri="{FF2B5EF4-FFF2-40B4-BE49-F238E27FC236}">
-                <a16:creationId xmlns:a16="http://schemas.microsoft.com/office/drawing/2014/main" xmlns="" id="{F37554EB-CECB-46DA-AA63-49E5124FBFFE}"/>
+                <a16:creationId xmlns:a16="http://schemas.microsoft.com/office/drawing/2014/main" id="{F37554EB-CECB-46DA-AA63-49E5124FBFFE}"/>
               </a:ext>
             </a:extLst>
           </p:cNvPr>
@@ -4977,10 +5669,9 @@
           <a:lstStyle/>
           <a:p>
             <a:r>
-              <a:rPr lang="ru-RU" dirty="0" smtClean="0"/>
+              <a:rPr lang="ru-RU" dirty="0"/>
               <a:t>Редактирование книги</a:t>
             </a:r>
-            <a:endParaRPr lang="ru-RU" dirty="0"/>
           </a:p>
         </p:txBody>
       </p:sp>
@@ -5020,7 +5711,7 @@
     </p:spTree>
     <p:extLst>
       <p:ext uri="{BB962C8B-B14F-4D97-AF65-F5344CB8AC3E}">
-        <p14:creationId xmlns:p14="http://schemas.microsoft.com/office/powerpoint/2010/main" xmlns="" val="1982399702"/>
+        <p14:creationId xmlns:p14="http://schemas.microsoft.com/office/powerpoint/2010/main" val="1982399702"/>
       </p:ext>
     </p:extLst>
   </p:cSld>
@@ -5052,7 +5743,7 @@
           <p:cNvPr id="2" name="Заголовок 1">
             <a:extLst>
               <a:ext uri="{FF2B5EF4-FFF2-40B4-BE49-F238E27FC236}">
-                <a16:creationId xmlns:a16="http://schemas.microsoft.com/office/drawing/2014/main" xmlns="" id="{ABF3BDE5-A49E-4235-ABB6-8DE6322556F1}"/>
+                <a16:creationId xmlns:a16="http://schemas.microsoft.com/office/drawing/2014/main" id="{ABF3BDE5-A49E-4235-ABB6-8DE6322556F1}"/>
               </a:ext>
             </a:extLst>
           </p:cNvPr>
@@ -5069,10 +5760,9 @@
           <a:lstStyle/>
           <a:p>
             <a:r>
-              <a:rPr lang="ru-RU" dirty="0" smtClean="0"/>
+              <a:rPr lang="ru-RU" dirty="0"/>
               <a:t>Функции</a:t>
             </a:r>
-            <a:endParaRPr lang="ru-RU" dirty="0"/>
           </a:p>
         </p:txBody>
       </p:sp>
@@ -5081,7 +5771,7 @@
           <p:cNvPr id="3" name="Объект 2">
             <a:extLst>
               <a:ext uri="{FF2B5EF4-FFF2-40B4-BE49-F238E27FC236}">
-                <a16:creationId xmlns:a16="http://schemas.microsoft.com/office/drawing/2014/main" xmlns="" id="{F37554EB-CECB-46DA-AA63-49E5124FBFFE}"/>
+                <a16:creationId xmlns:a16="http://schemas.microsoft.com/office/drawing/2014/main" id="{F37554EB-CECB-46DA-AA63-49E5124FBFFE}"/>
               </a:ext>
             </a:extLst>
           </p:cNvPr>
@@ -5098,14 +5788,9 @@
           <a:lstStyle/>
           <a:p>
             <a:r>
-              <a:rPr lang="ru-RU" dirty="0" smtClean="0"/>
-              <a:t>Просмотр описания</a:t>
-            </a:r>
-            <a:r>
-              <a:rPr lang="ru-RU" dirty="0" smtClean="0"/>
-              <a:t> книги</a:t>
-            </a:r>
-            <a:endParaRPr lang="ru-RU" dirty="0"/>
+              <a:rPr lang="ru-RU" dirty="0"/>
+              <a:t>Просмотр описания книги</a:t>
+            </a:r>
           </a:p>
         </p:txBody>
       </p:sp>
@@ -5145,7 +5830,7 @@
     </p:spTree>
     <p:extLst>
       <p:ext uri="{BB962C8B-B14F-4D97-AF65-F5344CB8AC3E}">
-        <p14:creationId xmlns:p14="http://schemas.microsoft.com/office/powerpoint/2010/main" xmlns="" val="1982399702"/>
+        <p14:creationId xmlns:p14="http://schemas.microsoft.com/office/powerpoint/2010/main" val="1982399702"/>
       </p:ext>
     </p:extLst>
   </p:cSld>
@@ -5402,7 +6087,7 @@
   <a:extraClrSchemeLst/>
   <a:extLst>
     <a:ext uri="{05A4C25C-085E-4340-85A3-A5531E510DB2}">
-      <thm15:themeFamily xmlns:thm15="http://schemas.microsoft.com/office/thememl/2012/main" xmlns="" name="View" id="{BA0EB5A6-F2D4-4F82-977B-64ADEE4A2A69}" vid="{3969A8A2-35DB-4E3B-8885-16FD20568674}"/>
+      <thm15:themeFamily xmlns:thm15="http://schemas.microsoft.com/office/thememl/2012/main" name="View" id="{BA0EB5A6-F2D4-4F82-977B-64ADEE4A2A69}" vid="{3969A8A2-35DB-4E3B-8885-16FD20568674}"/>
     </a:ext>
   </a:extLst>
 </a:theme>
